--- a/SpringBootPPT/Spring REST Validation.pptx
+++ b/SpringBootPPT/Spring REST Validation.pptx
@@ -5,13 +5,14 @@
     <p:sldMasterId id="2147483672" r:id="rId1"/>
   </p:sldMasterIdLst>
   <p:notesMasterIdLst>
-    <p:notesMasterId r:id="rId6"/>
+    <p:notesMasterId r:id="rId7"/>
   </p:notesMasterIdLst>
   <p:sldIdLst>
     <p:sldId id="465" r:id="rId2"/>
     <p:sldId id="466" r:id="rId3"/>
     <p:sldId id="468" r:id="rId4"/>
     <p:sldId id="469" r:id="rId5"/>
+    <p:sldId id="470" r:id="rId6"/>
   </p:sldIdLst>
   <p:sldSz cx="9144000" cy="5029200"/>
   <p:notesSz cx="6858000" cy="9144000"/>
@@ -225,7 +226,7 @@
           <a:p>
             <a:fld id="{62274EC6-3890-417B-9308-14EFBD00FA63}" type="datetimeFigureOut">
               <a:rPr lang="en-US" smtClean="0"/>
-              <a:t>3/9/2020</a:t>
+              <a:t>8/27/20</a:t>
             </a:fld>
             <a:endParaRPr lang="en-US" dirty="0"/>
           </a:p>
@@ -289,38 +290,37 @@
           <a:p>
             <a:pPr lvl="0"/>
             <a:r>
-              <a:rPr lang="en-US" smtClean="0"/>
+              <a:rPr lang="en-US"/>
               <a:t>Click to edit Master text styles</a:t>
             </a:r>
           </a:p>
           <a:p>
             <a:pPr lvl="1"/>
             <a:r>
-              <a:rPr lang="en-US" smtClean="0"/>
+              <a:rPr lang="en-US"/>
               <a:t>Second level</a:t>
             </a:r>
           </a:p>
           <a:p>
             <a:pPr lvl="2"/>
             <a:r>
-              <a:rPr lang="en-US" smtClean="0"/>
+              <a:rPr lang="en-US"/>
               <a:t>Third level</a:t>
             </a:r>
           </a:p>
           <a:p>
             <a:pPr lvl="3"/>
             <a:r>
-              <a:rPr lang="en-US" smtClean="0"/>
+              <a:rPr lang="en-US"/>
               <a:t>Fourth level</a:t>
             </a:r>
           </a:p>
           <a:p>
             <a:pPr lvl="4"/>
             <a:r>
-              <a:rPr lang="en-US" smtClean="0"/>
+              <a:rPr lang="en-US"/>
               <a:t>Fifth level</a:t>
             </a:r>
-            <a:endParaRPr lang="en-US"/>
           </a:p>
         </p:txBody>
       </p:sp>
@@ -887,10 +887,9 @@
           <a:lstStyle/>
           <a:p>
             <a:r>
-              <a:rPr lang="en-US" smtClean="0"/>
+              <a:rPr lang="en-US"/>
               <a:t>Click to edit Master title style</a:t>
             </a:r>
-            <a:endParaRPr lang="en-US"/>
           </a:p>
         </p:txBody>
       </p:sp>
@@ -1006,10 +1005,9 @@
           </a:lstStyle>
           <a:p>
             <a:r>
-              <a:rPr lang="en-US" smtClean="0"/>
+              <a:rPr lang="en-US"/>
               <a:t>Click to edit Master subtitle style</a:t>
             </a:r>
-            <a:endParaRPr lang="en-US"/>
           </a:p>
         </p:txBody>
       </p:sp>
@@ -1031,7 +1029,7 @@
             <a:fld id="{1D8BD707-D9CF-40AE-B4C6-C98DA3205C09}" type="datetimeFigureOut">
               <a:rPr lang="en-US" smtClean="0"/>
               <a:pPr/>
-              <a:t>3/9/2020</a:t>
+              <a:t>8/27/20</a:t>
             </a:fld>
             <a:endParaRPr lang="en-US" dirty="0"/>
           </a:p>
@@ -1090,14 +1088,6 @@
   <p:clrMapOvr>
     <a:masterClrMapping/>
   </p:clrMapOvr>
-  <mc:AlternateContent xmlns:mc="http://schemas.openxmlformats.org/markup-compatibility/2006" xmlns:p14="http://schemas.microsoft.com/office/powerpoint/2010/main">
-    <mc:Choice Requires="p14">
-      <p:transition p14:dur="0"/>
-    </mc:Choice>
-    <mc:Fallback xmlns="">
-      <p:transition/>
-    </mc:Fallback>
-  </mc:AlternateContent>
 </p:sldLayout>
 </file>
 
@@ -1134,10 +1124,9 @@
           <a:lstStyle/>
           <a:p>
             <a:r>
-              <a:rPr lang="en-US" smtClean="0"/>
+              <a:rPr lang="en-US"/>
               <a:t>Click to edit Master title style</a:t>
             </a:r>
-            <a:endParaRPr lang="en-US"/>
           </a:p>
         </p:txBody>
       </p:sp>
@@ -1158,38 +1147,37 @@
           <a:p>
             <a:pPr lvl="0"/>
             <a:r>
-              <a:rPr lang="en-US" smtClean="0"/>
+              <a:rPr lang="en-US"/>
               <a:t>Click to edit Master text styles</a:t>
             </a:r>
           </a:p>
           <a:p>
             <a:pPr lvl="1"/>
             <a:r>
-              <a:rPr lang="en-US" smtClean="0"/>
+              <a:rPr lang="en-US"/>
               <a:t>Second level</a:t>
             </a:r>
           </a:p>
           <a:p>
             <a:pPr lvl="2"/>
             <a:r>
-              <a:rPr lang="en-US" smtClean="0"/>
+              <a:rPr lang="en-US"/>
               <a:t>Third level</a:t>
             </a:r>
           </a:p>
           <a:p>
             <a:pPr lvl="3"/>
             <a:r>
-              <a:rPr lang="en-US" smtClean="0"/>
+              <a:rPr lang="en-US"/>
               <a:t>Fourth level</a:t>
             </a:r>
           </a:p>
           <a:p>
             <a:pPr lvl="4"/>
             <a:r>
-              <a:rPr lang="en-US" smtClean="0"/>
+              <a:rPr lang="en-US"/>
               <a:t>Fifth level</a:t>
             </a:r>
-            <a:endParaRPr lang="en-US"/>
           </a:p>
         </p:txBody>
       </p:sp>
@@ -1211,7 +1199,7 @@
             <a:fld id="{1D8BD707-D9CF-40AE-B4C6-C98DA3205C09}" type="datetimeFigureOut">
               <a:rPr lang="en-US" smtClean="0"/>
               <a:pPr/>
-              <a:t>3/9/2020</a:t>
+              <a:t>8/27/20</a:t>
             </a:fld>
             <a:endParaRPr lang="en-US" dirty="0"/>
           </a:p>
@@ -1270,14 +1258,6 @@
   <p:clrMapOvr>
     <a:masterClrMapping/>
   </p:clrMapOvr>
-  <mc:AlternateContent xmlns:mc="http://schemas.openxmlformats.org/markup-compatibility/2006" xmlns:p14="http://schemas.microsoft.com/office/powerpoint/2010/main">
-    <mc:Choice Requires="p14">
-      <p:transition p14:dur="0"/>
-    </mc:Choice>
-    <mc:Fallback xmlns="">
-      <p:transition/>
-    </mc:Fallback>
-  </mc:AlternateContent>
 </p:sldLayout>
 </file>
 
@@ -1319,10 +1299,9 @@
           <a:lstStyle/>
           <a:p>
             <a:r>
-              <a:rPr lang="en-US" smtClean="0"/>
+              <a:rPr lang="en-US"/>
               <a:t>Click to edit Master title style</a:t>
             </a:r>
-            <a:endParaRPr lang="en-US"/>
           </a:p>
         </p:txBody>
       </p:sp>
@@ -1348,38 +1327,37 @@
           <a:p>
             <a:pPr lvl="0"/>
             <a:r>
-              <a:rPr lang="en-US" smtClean="0"/>
+              <a:rPr lang="en-US"/>
               <a:t>Click to edit Master text styles</a:t>
             </a:r>
           </a:p>
           <a:p>
             <a:pPr lvl="1"/>
             <a:r>
-              <a:rPr lang="en-US" smtClean="0"/>
+              <a:rPr lang="en-US"/>
               <a:t>Second level</a:t>
             </a:r>
           </a:p>
           <a:p>
             <a:pPr lvl="2"/>
             <a:r>
-              <a:rPr lang="en-US" smtClean="0"/>
+              <a:rPr lang="en-US"/>
               <a:t>Third level</a:t>
             </a:r>
           </a:p>
           <a:p>
             <a:pPr lvl="3"/>
             <a:r>
-              <a:rPr lang="en-US" smtClean="0"/>
+              <a:rPr lang="en-US"/>
               <a:t>Fourth level</a:t>
             </a:r>
           </a:p>
           <a:p>
             <a:pPr lvl="4"/>
             <a:r>
-              <a:rPr lang="en-US" smtClean="0"/>
+              <a:rPr lang="en-US"/>
               <a:t>Fifth level</a:t>
             </a:r>
-            <a:endParaRPr lang="en-US"/>
           </a:p>
         </p:txBody>
       </p:sp>
@@ -1401,7 +1379,7 @@
             <a:fld id="{1D8BD707-D9CF-40AE-B4C6-C98DA3205C09}" type="datetimeFigureOut">
               <a:rPr lang="en-US" smtClean="0"/>
               <a:pPr/>
-              <a:t>3/9/2020</a:t>
+              <a:t>8/27/20</a:t>
             </a:fld>
             <a:endParaRPr lang="en-US" dirty="0"/>
           </a:p>
@@ -1460,14 +1438,6 @@
   <p:clrMapOvr>
     <a:masterClrMapping/>
   </p:clrMapOvr>
-  <mc:AlternateContent xmlns:mc="http://schemas.openxmlformats.org/markup-compatibility/2006" xmlns:p14="http://schemas.microsoft.com/office/powerpoint/2010/main">
-    <mc:Choice Requires="p14">
-      <p:transition p14:dur="0"/>
-    </mc:Choice>
-    <mc:Fallback xmlns="">
-      <p:transition/>
-    </mc:Fallback>
-  </mc:AlternateContent>
 </p:sldLayout>
 </file>
 
@@ -1504,10 +1474,9 @@
           <a:lstStyle/>
           <a:p>
             <a:r>
-              <a:rPr lang="en-US" smtClean="0"/>
+              <a:rPr lang="en-US"/>
               <a:t>Click to edit Master title style</a:t>
             </a:r>
-            <a:endParaRPr lang="en-US"/>
           </a:p>
         </p:txBody>
       </p:sp>
@@ -1528,38 +1497,37 @@
           <a:p>
             <a:pPr lvl="0"/>
             <a:r>
-              <a:rPr lang="en-US" smtClean="0"/>
+              <a:rPr lang="en-US"/>
               <a:t>Click to edit Master text styles</a:t>
             </a:r>
           </a:p>
           <a:p>
             <a:pPr lvl="1"/>
             <a:r>
-              <a:rPr lang="en-US" smtClean="0"/>
+              <a:rPr lang="en-US"/>
               <a:t>Second level</a:t>
             </a:r>
           </a:p>
           <a:p>
             <a:pPr lvl="2"/>
             <a:r>
-              <a:rPr lang="en-US" smtClean="0"/>
+              <a:rPr lang="en-US"/>
               <a:t>Third level</a:t>
             </a:r>
           </a:p>
           <a:p>
             <a:pPr lvl="3"/>
             <a:r>
-              <a:rPr lang="en-US" smtClean="0"/>
+              <a:rPr lang="en-US"/>
               <a:t>Fourth level</a:t>
             </a:r>
           </a:p>
           <a:p>
             <a:pPr lvl="4"/>
             <a:r>
-              <a:rPr lang="en-US" smtClean="0"/>
+              <a:rPr lang="en-US"/>
               <a:t>Fifth level</a:t>
             </a:r>
-            <a:endParaRPr lang="en-US"/>
           </a:p>
         </p:txBody>
       </p:sp>
@@ -1581,7 +1549,7 @@
             <a:fld id="{1D8BD707-D9CF-40AE-B4C6-C98DA3205C09}" type="datetimeFigureOut">
               <a:rPr lang="en-US" smtClean="0"/>
               <a:pPr/>
-              <a:t>3/9/2020</a:t>
+              <a:t>8/27/20</a:t>
             </a:fld>
             <a:endParaRPr lang="en-US" dirty="0"/>
           </a:p>
@@ -1640,14 +1608,6 @@
   <p:clrMapOvr>
     <a:masterClrMapping/>
   </p:clrMapOvr>
-  <mc:AlternateContent xmlns:mc="http://schemas.openxmlformats.org/markup-compatibility/2006" xmlns:p14="http://schemas.microsoft.com/office/powerpoint/2010/main">
-    <mc:Choice Requires="p14">
-      <p:transition p14:dur="0"/>
-    </mc:Choice>
-    <mc:Fallback xmlns="">
-      <p:transition/>
-    </mc:Fallback>
-  </mc:AlternateContent>
 </p:sldLayout>
 </file>
 
@@ -1693,10 +1653,9 @@
           </a:lstStyle>
           <a:p>
             <a:r>
-              <a:rPr lang="en-US" smtClean="0"/>
+              <a:rPr lang="en-US"/>
               <a:t>Click to edit Master title style</a:t>
             </a:r>
-            <a:endParaRPr lang="en-US"/>
           </a:p>
         </p:txBody>
       </p:sp>
@@ -1813,7 +1772,7 @@
           <a:p>
             <a:pPr lvl="0"/>
             <a:r>
-              <a:rPr lang="en-US" smtClean="0"/>
+              <a:rPr lang="en-US"/>
               <a:t>Click to edit Master text styles</a:t>
             </a:r>
           </a:p>
@@ -1837,7 +1796,7 @@
             <a:fld id="{1D8BD707-D9CF-40AE-B4C6-C98DA3205C09}" type="datetimeFigureOut">
               <a:rPr lang="en-US" smtClean="0"/>
               <a:pPr/>
-              <a:t>3/9/2020</a:t>
+              <a:t>8/27/20</a:t>
             </a:fld>
             <a:endParaRPr lang="en-US" dirty="0"/>
           </a:p>
@@ -1896,14 +1855,6 @@
   <p:clrMapOvr>
     <a:masterClrMapping/>
   </p:clrMapOvr>
-  <mc:AlternateContent xmlns:mc="http://schemas.openxmlformats.org/markup-compatibility/2006" xmlns:p14="http://schemas.microsoft.com/office/powerpoint/2010/main">
-    <mc:Choice Requires="p14">
-      <p:transition p14:dur="0"/>
-    </mc:Choice>
-    <mc:Fallback xmlns="">
-      <p:transition/>
-    </mc:Fallback>
-  </mc:AlternateContent>
 </p:sldLayout>
 </file>
 
@@ -1940,10 +1891,9 @@
           <a:lstStyle/>
           <a:p>
             <a:r>
-              <a:rPr lang="en-US" smtClean="0"/>
+              <a:rPr lang="en-US"/>
               <a:t>Click to edit Master title style</a:t>
             </a:r>
-            <a:endParaRPr lang="en-US"/>
           </a:p>
         </p:txBody>
       </p:sp>
@@ -1997,38 +1947,37 @@
           <a:p>
             <a:pPr lvl="0"/>
             <a:r>
-              <a:rPr lang="en-US" smtClean="0"/>
+              <a:rPr lang="en-US"/>
               <a:t>Click to edit Master text styles</a:t>
             </a:r>
           </a:p>
           <a:p>
             <a:pPr lvl="1"/>
             <a:r>
-              <a:rPr lang="en-US" smtClean="0"/>
+              <a:rPr lang="en-US"/>
               <a:t>Second level</a:t>
             </a:r>
           </a:p>
           <a:p>
             <a:pPr lvl="2"/>
             <a:r>
-              <a:rPr lang="en-US" smtClean="0"/>
+              <a:rPr lang="en-US"/>
               <a:t>Third level</a:t>
             </a:r>
           </a:p>
           <a:p>
             <a:pPr lvl="3"/>
             <a:r>
-              <a:rPr lang="en-US" smtClean="0"/>
+              <a:rPr lang="en-US"/>
               <a:t>Fourth level</a:t>
             </a:r>
           </a:p>
           <a:p>
             <a:pPr lvl="4"/>
             <a:r>
-              <a:rPr lang="en-US" smtClean="0"/>
+              <a:rPr lang="en-US"/>
               <a:t>Fifth level</a:t>
             </a:r>
-            <a:endParaRPr lang="en-US"/>
           </a:p>
         </p:txBody>
       </p:sp>
@@ -2082,38 +2031,37 @@
           <a:p>
             <a:pPr lvl="0"/>
             <a:r>
-              <a:rPr lang="en-US" smtClean="0"/>
+              <a:rPr lang="en-US"/>
               <a:t>Click to edit Master text styles</a:t>
             </a:r>
           </a:p>
           <a:p>
             <a:pPr lvl="1"/>
             <a:r>
-              <a:rPr lang="en-US" smtClean="0"/>
+              <a:rPr lang="en-US"/>
               <a:t>Second level</a:t>
             </a:r>
           </a:p>
           <a:p>
             <a:pPr lvl="2"/>
             <a:r>
-              <a:rPr lang="en-US" smtClean="0"/>
+              <a:rPr lang="en-US"/>
               <a:t>Third level</a:t>
             </a:r>
           </a:p>
           <a:p>
             <a:pPr lvl="3"/>
             <a:r>
-              <a:rPr lang="en-US" smtClean="0"/>
+              <a:rPr lang="en-US"/>
               <a:t>Fourth level</a:t>
             </a:r>
           </a:p>
           <a:p>
             <a:pPr lvl="4"/>
             <a:r>
-              <a:rPr lang="en-US" smtClean="0"/>
+              <a:rPr lang="en-US"/>
               <a:t>Fifth level</a:t>
             </a:r>
-            <a:endParaRPr lang="en-US"/>
           </a:p>
         </p:txBody>
       </p:sp>
@@ -2135,7 +2083,7 @@
             <a:fld id="{1D8BD707-D9CF-40AE-B4C6-C98DA3205C09}" type="datetimeFigureOut">
               <a:rPr lang="en-US" smtClean="0"/>
               <a:pPr/>
-              <a:t>3/9/2020</a:t>
+              <a:t>8/27/20</a:t>
             </a:fld>
             <a:endParaRPr lang="en-US" dirty="0"/>
           </a:p>
@@ -2194,14 +2142,6 @@
   <p:clrMapOvr>
     <a:masterClrMapping/>
   </p:clrMapOvr>
-  <mc:AlternateContent xmlns:mc="http://schemas.openxmlformats.org/markup-compatibility/2006" xmlns:p14="http://schemas.microsoft.com/office/powerpoint/2010/main">
-    <mc:Choice Requires="p14">
-      <p:transition p14:dur="0"/>
-    </mc:Choice>
-    <mc:Fallback xmlns="">
-      <p:transition/>
-    </mc:Fallback>
-  </mc:AlternateContent>
 </p:sldLayout>
 </file>
 
@@ -2247,10 +2187,9 @@
           </a:lstStyle>
           <a:p>
             <a:r>
-              <a:rPr lang="en-US" smtClean="0"/>
+              <a:rPr lang="en-US"/>
               <a:t>Click to edit Master title style</a:t>
             </a:r>
-            <a:endParaRPr lang="en-US"/>
           </a:p>
         </p:txBody>
       </p:sp>
@@ -2313,7 +2252,7 @@
           <a:p>
             <a:pPr lvl="0"/>
             <a:r>
-              <a:rPr lang="en-US" smtClean="0"/>
+              <a:rPr lang="en-US"/>
               <a:t>Click to edit Master text styles</a:t>
             </a:r>
           </a:p>
@@ -2369,38 +2308,37 @@
           <a:p>
             <a:pPr lvl="0"/>
             <a:r>
-              <a:rPr lang="en-US" smtClean="0"/>
+              <a:rPr lang="en-US"/>
               <a:t>Click to edit Master text styles</a:t>
             </a:r>
           </a:p>
           <a:p>
             <a:pPr lvl="1"/>
             <a:r>
-              <a:rPr lang="en-US" smtClean="0"/>
+              <a:rPr lang="en-US"/>
               <a:t>Second level</a:t>
             </a:r>
           </a:p>
           <a:p>
             <a:pPr lvl="2"/>
             <a:r>
-              <a:rPr lang="en-US" smtClean="0"/>
+              <a:rPr lang="en-US"/>
               <a:t>Third level</a:t>
             </a:r>
           </a:p>
           <a:p>
             <a:pPr lvl="3"/>
             <a:r>
-              <a:rPr lang="en-US" smtClean="0"/>
+              <a:rPr lang="en-US"/>
               <a:t>Fourth level</a:t>
             </a:r>
           </a:p>
           <a:p>
             <a:pPr lvl="4"/>
             <a:r>
-              <a:rPr lang="en-US" smtClean="0"/>
+              <a:rPr lang="en-US"/>
               <a:t>Fifth level</a:t>
             </a:r>
-            <a:endParaRPr lang="en-US"/>
           </a:p>
         </p:txBody>
       </p:sp>
@@ -2463,7 +2401,7 @@
           <a:p>
             <a:pPr lvl="0"/>
             <a:r>
-              <a:rPr lang="en-US" smtClean="0"/>
+              <a:rPr lang="en-US"/>
               <a:t>Click to edit Master text styles</a:t>
             </a:r>
           </a:p>
@@ -2519,38 +2457,37 @@
           <a:p>
             <a:pPr lvl="0"/>
             <a:r>
-              <a:rPr lang="en-US" smtClean="0"/>
+              <a:rPr lang="en-US"/>
               <a:t>Click to edit Master text styles</a:t>
             </a:r>
           </a:p>
           <a:p>
             <a:pPr lvl="1"/>
             <a:r>
-              <a:rPr lang="en-US" smtClean="0"/>
+              <a:rPr lang="en-US"/>
               <a:t>Second level</a:t>
             </a:r>
           </a:p>
           <a:p>
             <a:pPr lvl="2"/>
             <a:r>
-              <a:rPr lang="en-US" smtClean="0"/>
+              <a:rPr lang="en-US"/>
               <a:t>Third level</a:t>
             </a:r>
           </a:p>
           <a:p>
             <a:pPr lvl="3"/>
             <a:r>
-              <a:rPr lang="en-US" smtClean="0"/>
+              <a:rPr lang="en-US"/>
               <a:t>Fourth level</a:t>
             </a:r>
           </a:p>
           <a:p>
             <a:pPr lvl="4"/>
             <a:r>
-              <a:rPr lang="en-US" smtClean="0"/>
+              <a:rPr lang="en-US"/>
               <a:t>Fifth level</a:t>
             </a:r>
-            <a:endParaRPr lang="en-US"/>
           </a:p>
         </p:txBody>
       </p:sp>
@@ -2572,7 +2509,7 @@
             <a:fld id="{1D8BD707-D9CF-40AE-B4C6-C98DA3205C09}" type="datetimeFigureOut">
               <a:rPr lang="en-US" smtClean="0"/>
               <a:pPr/>
-              <a:t>3/9/2020</a:t>
+              <a:t>8/27/20</a:t>
             </a:fld>
             <a:endParaRPr lang="en-US" dirty="0"/>
           </a:p>
@@ -2631,14 +2568,6 @@
   <p:clrMapOvr>
     <a:masterClrMapping/>
   </p:clrMapOvr>
-  <mc:AlternateContent xmlns:mc="http://schemas.openxmlformats.org/markup-compatibility/2006" xmlns:p14="http://schemas.microsoft.com/office/powerpoint/2010/main">
-    <mc:Choice Requires="p14">
-      <p:transition p14:dur="0"/>
-    </mc:Choice>
-    <mc:Fallback xmlns="">
-      <p:transition/>
-    </mc:Fallback>
-  </mc:AlternateContent>
 </p:sldLayout>
 </file>
 
@@ -2675,10 +2604,9 @@
           <a:lstStyle/>
           <a:p>
             <a:r>
-              <a:rPr lang="en-US" smtClean="0"/>
+              <a:rPr lang="en-US"/>
               <a:t>Click to edit Master title style</a:t>
             </a:r>
-            <a:endParaRPr lang="en-US"/>
           </a:p>
         </p:txBody>
       </p:sp>
@@ -2700,7 +2628,7 @@
             <a:fld id="{1D8BD707-D9CF-40AE-B4C6-C98DA3205C09}" type="datetimeFigureOut">
               <a:rPr lang="en-US" smtClean="0"/>
               <a:pPr/>
-              <a:t>3/9/2020</a:t>
+              <a:t>8/27/20</a:t>
             </a:fld>
             <a:endParaRPr lang="en-US" dirty="0"/>
           </a:p>
@@ -2759,14 +2687,6 @@
   <p:clrMapOvr>
     <a:masterClrMapping/>
   </p:clrMapOvr>
-  <mc:AlternateContent xmlns:mc="http://schemas.openxmlformats.org/markup-compatibility/2006" xmlns:p14="http://schemas.microsoft.com/office/powerpoint/2010/main">
-    <mc:Choice Requires="p14">
-      <p:transition p14:dur="0"/>
-    </mc:Choice>
-    <mc:Fallback xmlns="">
-      <p:transition/>
-    </mc:Fallback>
-  </mc:AlternateContent>
 </p:sldLayout>
 </file>
 
@@ -2805,7 +2725,7 @@
             <a:fld id="{1D8BD707-D9CF-40AE-B4C6-C98DA3205C09}" type="datetimeFigureOut">
               <a:rPr lang="en-US" smtClean="0"/>
               <a:pPr/>
-              <a:t>3/9/2020</a:t>
+              <a:t>8/27/20</a:t>
             </a:fld>
             <a:endParaRPr lang="en-US" dirty="0"/>
           </a:p>
@@ -2864,14 +2784,6 @@
   <p:clrMapOvr>
     <a:masterClrMapping/>
   </p:clrMapOvr>
-  <mc:AlternateContent xmlns:mc="http://schemas.openxmlformats.org/markup-compatibility/2006" xmlns:p14="http://schemas.microsoft.com/office/powerpoint/2010/main">
-    <mc:Choice Requires="p14">
-      <p:transition p14:dur="0"/>
-    </mc:Choice>
-    <mc:Fallback xmlns="">
-      <p:transition/>
-    </mc:Fallback>
-  </mc:AlternateContent>
 </p:sldLayout>
 </file>
 
@@ -2917,10 +2829,9 @@
           </a:lstStyle>
           <a:p>
             <a:r>
-              <a:rPr lang="en-US" smtClean="0"/>
+              <a:rPr lang="en-US"/>
               <a:t>Click to edit Master title style</a:t>
             </a:r>
-            <a:endParaRPr lang="en-US"/>
           </a:p>
         </p:txBody>
       </p:sp>
@@ -2974,38 +2885,37 @@
           <a:p>
             <a:pPr lvl="0"/>
             <a:r>
-              <a:rPr lang="en-US" smtClean="0"/>
+              <a:rPr lang="en-US"/>
               <a:t>Click to edit Master text styles</a:t>
             </a:r>
           </a:p>
           <a:p>
             <a:pPr lvl="1"/>
             <a:r>
-              <a:rPr lang="en-US" smtClean="0"/>
+              <a:rPr lang="en-US"/>
               <a:t>Second level</a:t>
             </a:r>
           </a:p>
           <a:p>
             <a:pPr lvl="2"/>
             <a:r>
-              <a:rPr lang="en-US" smtClean="0"/>
+              <a:rPr lang="en-US"/>
               <a:t>Third level</a:t>
             </a:r>
           </a:p>
           <a:p>
             <a:pPr lvl="3"/>
             <a:r>
-              <a:rPr lang="en-US" smtClean="0"/>
+              <a:rPr lang="en-US"/>
               <a:t>Fourth level</a:t>
             </a:r>
           </a:p>
           <a:p>
             <a:pPr lvl="4"/>
             <a:r>
-              <a:rPr lang="en-US" smtClean="0"/>
+              <a:rPr lang="en-US"/>
               <a:t>Fifth level</a:t>
             </a:r>
-            <a:endParaRPr lang="en-US"/>
           </a:p>
         </p:txBody>
       </p:sp>
@@ -3068,7 +2978,7 @@
           <a:p>
             <a:pPr lvl="0"/>
             <a:r>
-              <a:rPr lang="en-US" smtClean="0"/>
+              <a:rPr lang="en-US"/>
               <a:t>Click to edit Master text styles</a:t>
             </a:r>
           </a:p>
@@ -3092,7 +3002,7 @@
             <a:fld id="{1D8BD707-D9CF-40AE-B4C6-C98DA3205C09}" type="datetimeFigureOut">
               <a:rPr lang="en-US" smtClean="0"/>
               <a:pPr/>
-              <a:t>3/9/2020</a:t>
+              <a:t>8/27/20</a:t>
             </a:fld>
             <a:endParaRPr lang="en-US" dirty="0"/>
           </a:p>
@@ -3151,14 +3061,6 @@
   <p:clrMapOvr>
     <a:masterClrMapping/>
   </p:clrMapOvr>
-  <mc:AlternateContent xmlns:mc="http://schemas.openxmlformats.org/markup-compatibility/2006" xmlns:p14="http://schemas.microsoft.com/office/powerpoint/2010/main">
-    <mc:Choice Requires="p14">
-      <p:transition p14:dur="0"/>
-    </mc:Choice>
-    <mc:Fallback xmlns="">
-      <p:transition/>
-    </mc:Fallback>
-  </mc:AlternateContent>
 </p:sldLayout>
 </file>
 
@@ -3204,10 +3106,9 @@
           </a:lstStyle>
           <a:p>
             <a:r>
-              <a:rPr lang="en-US" smtClean="0"/>
+              <a:rPr lang="en-US"/>
               <a:t>Click to edit Master title style</a:t>
             </a:r>
-            <a:endParaRPr lang="en-US"/>
           </a:p>
         </p:txBody>
       </p:sp>
@@ -3331,7 +3232,7 @@
           <a:p>
             <a:pPr lvl="0"/>
             <a:r>
-              <a:rPr lang="en-US" smtClean="0"/>
+              <a:rPr lang="en-US"/>
               <a:t>Click to edit Master text styles</a:t>
             </a:r>
           </a:p>
@@ -3355,7 +3256,7 @@
             <a:fld id="{1D8BD707-D9CF-40AE-B4C6-C98DA3205C09}" type="datetimeFigureOut">
               <a:rPr lang="en-US" smtClean="0"/>
               <a:pPr/>
-              <a:t>3/9/2020</a:t>
+              <a:t>8/27/20</a:t>
             </a:fld>
             <a:endParaRPr lang="en-US" dirty="0"/>
           </a:p>
@@ -3414,14 +3315,6 @@
   <p:clrMapOvr>
     <a:masterClrMapping/>
   </p:clrMapOvr>
-  <mc:AlternateContent xmlns:mc="http://schemas.openxmlformats.org/markup-compatibility/2006" xmlns:p14="http://schemas.microsoft.com/office/powerpoint/2010/main">
-    <mc:Choice Requires="p14">
-      <p:transition p14:dur="0"/>
-    </mc:Choice>
-    <mc:Fallback xmlns="">
-      <p:transition/>
-    </mc:Fallback>
-  </mc:AlternateContent>
 </p:sldLayout>
 </file>
 
@@ -3473,10 +3366,9 @@
           <a:lstStyle/>
           <a:p>
             <a:r>
-              <a:rPr lang="en-US" smtClean="0"/>
+              <a:rPr lang="en-US"/>
               <a:t>Click to edit Master title style</a:t>
             </a:r>
-            <a:endParaRPr lang="en-US"/>
           </a:p>
         </p:txBody>
       </p:sp>
@@ -3507,38 +3399,37 @@
           <a:p>
             <a:pPr lvl="0"/>
             <a:r>
-              <a:rPr lang="en-US" smtClean="0"/>
+              <a:rPr lang="en-US"/>
               <a:t>Click to edit Master text styles</a:t>
             </a:r>
           </a:p>
           <a:p>
             <a:pPr lvl="1"/>
             <a:r>
-              <a:rPr lang="en-US" smtClean="0"/>
+              <a:rPr lang="en-US"/>
               <a:t>Second level</a:t>
             </a:r>
           </a:p>
           <a:p>
             <a:pPr lvl="2"/>
             <a:r>
-              <a:rPr lang="en-US" smtClean="0"/>
+              <a:rPr lang="en-US"/>
               <a:t>Third level</a:t>
             </a:r>
           </a:p>
           <a:p>
             <a:pPr lvl="3"/>
             <a:r>
-              <a:rPr lang="en-US" smtClean="0"/>
+              <a:rPr lang="en-US"/>
               <a:t>Fourth level</a:t>
             </a:r>
           </a:p>
           <a:p>
             <a:pPr lvl="4"/>
             <a:r>
-              <a:rPr lang="en-US" smtClean="0"/>
+              <a:rPr lang="en-US"/>
               <a:t>Fifth level</a:t>
             </a:r>
-            <a:endParaRPr lang="en-US"/>
           </a:p>
         </p:txBody>
       </p:sp>
@@ -3578,7 +3469,7 @@
             <a:fld id="{1D8BD707-D9CF-40AE-B4C6-C98DA3205C09}" type="datetimeFigureOut">
               <a:rPr lang="en-US" smtClean="0"/>
               <a:pPr/>
-              <a:t>3/9/2020</a:t>
+              <a:t>8/27/20</a:t>
             </a:fld>
             <a:endParaRPr lang="en-US" dirty="0"/>
           </a:p>
@@ -3684,14 +3575,6 @@
     <p:sldLayoutId id="2147483682" r:id="rId10"/>
     <p:sldLayoutId id="2147483683" r:id="rId11"/>
   </p:sldLayoutIdLst>
-  <mc:AlternateContent xmlns:mc="http://schemas.openxmlformats.org/markup-compatibility/2006" xmlns:p14="http://schemas.microsoft.com/office/powerpoint/2010/main">
-    <mc:Choice Requires="p14">
-      <p:transition p14:dur="0"/>
-    </mc:Choice>
-    <mc:Fallback xmlns="">
-      <p:transition/>
-    </mc:Fallback>
-  </mc:AlternateContent>
   <p:txStyles>
     <p:titleStyle>
       <a:lvl1pPr algn="ctr" defTabSz="914400" rtl="0" eaLnBrk="1" latinLnBrk="0" hangingPunct="1">
@@ -4194,10 +4077,9 @@
           <a:p>
             <a:pPr algn="ctr"/>
             <a:r>
-              <a:rPr lang="en-US" dirty="0" smtClean="0"/>
+              <a:rPr lang="en-US" dirty="0"/>
               <a:t>DB</a:t>
             </a:r>
-            <a:endParaRPr lang="en-US" dirty="0"/>
           </a:p>
         </p:txBody>
       </p:sp>
@@ -4348,10 +4230,9 @@
           <a:lstStyle/>
           <a:p>
             <a:r>
-              <a:rPr lang="en-US" sz="1200" dirty="0" smtClean="0"/>
+              <a:rPr lang="en-US" sz="1200" dirty="0"/>
               <a:t>Postman client</a:t>
             </a:r>
-            <a:endParaRPr lang="en-US" sz="1200" dirty="0"/>
           </a:p>
         </p:txBody>
       </p:sp>
@@ -4465,16 +4346,15 @@
           <a:lstStyle/>
           <a:p>
             <a:r>
-              <a:rPr lang="en-US" sz="1200" dirty="0" smtClean="0"/>
+              <a:rPr lang="en-US" sz="1200" dirty="0"/>
               <a:t>REST Endpoints to Create/Update/</a:t>
             </a:r>
           </a:p>
           <a:p>
             <a:r>
-              <a:rPr lang="en-US" sz="1200" dirty="0" smtClean="0"/>
+              <a:rPr lang="en-US" sz="1200" dirty="0"/>
               <a:t>Get/Delete book details</a:t>
             </a:r>
-            <a:endParaRPr lang="en-US" sz="1200" dirty="0"/>
           </a:p>
         </p:txBody>
       </p:sp>
@@ -4609,20 +4489,8 @@
           <a:p>
             <a:pPr algn="ctr"/>
             <a:r>
-              <a:rPr lang="en-US" sz="1200" dirty="0" smtClean="0"/>
-              <a:t>Spring boot - </a:t>
-            </a:r>
-            <a:r>
               <a:rPr lang="en-US" sz="1200" dirty="0"/>
-              <a:t>REST Validation </a:t>
-            </a:r>
-            <a:r>
-              <a:rPr lang="en-US" sz="1200" dirty="0" smtClean="0"/>
-              <a:t>Example - Custom </a:t>
-            </a:r>
-            <a:r>
-              <a:rPr lang="en-US" sz="1200" dirty="0"/>
-              <a:t>Validator</a:t>
+              <a:t>Spring boot - REST Validation Example - Custom Validator</a:t>
             </a:r>
           </a:p>
         </p:txBody>
@@ -4691,21 +4559,8 @@
           <a:p>
             <a:r>
               <a:rPr lang="en-US" sz="1200" dirty="0"/>
-              <a:t>C</a:t>
-            </a:r>
-            <a:r>
-              <a:rPr lang="en-US" sz="1200" dirty="0" smtClean="0"/>
-              <a:t>onsuming </a:t>
-            </a:r>
-            <a:r>
-              <a:rPr lang="en-US" sz="1200" dirty="0"/>
-              <a:t>a RESTful Web Services by using  </a:t>
-            </a:r>
-            <a:r>
-              <a:rPr lang="en-US" sz="1200" dirty="0" smtClean="0"/>
-              <a:t>Postman client</a:t>
-            </a:r>
-            <a:endParaRPr lang="en-US" sz="1200" dirty="0"/>
+              <a:t>Consuming a RESTful Web Services by using  Postman client</a:t>
+            </a:r>
           </a:p>
         </p:txBody>
       </p:sp>
@@ -4757,21 +4612,6 @@
   <p:clrMapOvr>
     <a:masterClrMapping/>
   </p:clrMapOvr>
-  <mc:AlternateContent xmlns:mc="http://schemas.openxmlformats.org/markup-compatibility/2006" xmlns:p14="http://schemas.microsoft.com/office/powerpoint/2010/main">
-    <mc:Choice Requires="p14">
-      <p:transition p14:dur="0"/>
-    </mc:Choice>
-    <mc:Fallback xmlns="">
-      <p:transition/>
-    </mc:Fallback>
-  </mc:AlternateContent>
-  <p:timing>
-    <p:tnLst>
-      <p:par>
-        <p:cTn id="1" dur="indefinite" restart="never" nodeType="tmRoot"/>
-      </p:par>
-    </p:tnLst>
-  </p:timing>
 </p:sld>
 </file>
 
@@ -5074,10 +4914,9 @@
           <a:p>
             <a:pPr algn="ctr"/>
             <a:r>
-              <a:rPr lang="en-US" sz="1200" dirty="0" smtClean="0"/>
+              <a:rPr lang="en-US" sz="1200" dirty="0"/>
               <a:t>1</a:t>
             </a:r>
-            <a:endParaRPr lang="en-US" sz="1200" dirty="0"/>
           </a:p>
         </p:txBody>
       </p:sp>
@@ -5299,20 +5138,8 @@
           <a:p>
             <a:pPr algn="ctr"/>
             <a:r>
-              <a:rPr lang="en-US" sz="1200" dirty="0" smtClean="0"/>
-              <a:t>Spring boot - </a:t>
-            </a:r>
-            <a:r>
               <a:rPr lang="en-US" sz="1200" dirty="0"/>
-              <a:t>REST Validation </a:t>
-            </a:r>
-            <a:r>
-              <a:rPr lang="en-US" sz="1200" dirty="0" smtClean="0"/>
-              <a:t>Example - Custom </a:t>
-            </a:r>
-            <a:r>
-              <a:rPr lang="en-US" sz="1200" dirty="0"/>
-              <a:t>Validator</a:t>
+              <a:t>Spring boot - REST Validation Example - Custom Validator</a:t>
             </a:r>
           </a:p>
         </p:txBody>
@@ -5327,21 +5154,6 @@
   <p:clrMapOvr>
     <a:masterClrMapping/>
   </p:clrMapOvr>
-  <mc:AlternateContent xmlns:mc="http://schemas.openxmlformats.org/markup-compatibility/2006" xmlns:p14="http://schemas.microsoft.com/office/powerpoint/2010/main">
-    <mc:Choice Requires="p14">
-      <p:transition p14:dur="0"/>
-    </mc:Choice>
-    <mc:Fallback xmlns="">
-      <p:transition/>
-    </mc:Fallback>
-  </mc:AlternateContent>
-  <p:timing>
-    <p:tnLst>
-      <p:par>
-        <p:cTn id="1" dur="indefinite" restart="never" nodeType="tmRoot"/>
-      </p:par>
-    </p:tnLst>
-  </p:timing>
 </p:sld>
 </file>
 
@@ -5644,10 +5456,9 @@
           <a:p>
             <a:pPr algn="ctr"/>
             <a:r>
-              <a:rPr lang="en-US" sz="1200" dirty="0" smtClean="0"/>
+              <a:rPr lang="en-US" sz="1200" dirty="0"/>
               <a:t>3</a:t>
             </a:r>
-            <a:endParaRPr lang="en-US" sz="1200" dirty="0"/>
           </a:p>
         </p:txBody>
       </p:sp>
@@ -5815,20 +5626,8 @@
           <a:p>
             <a:pPr algn="ctr"/>
             <a:r>
-              <a:rPr lang="en-US" sz="1200" dirty="0" smtClean="0"/>
-              <a:t>Spring boot - </a:t>
-            </a:r>
-            <a:r>
               <a:rPr lang="en-US" sz="1200" dirty="0"/>
-              <a:t>REST Validation </a:t>
-            </a:r>
-            <a:r>
-              <a:rPr lang="en-US" sz="1200" dirty="0" smtClean="0"/>
-              <a:t>Example - Custom </a:t>
-            </a:r>
-            <a:r>
-              <a:rPr lang="en-US" sz="1200" dirty="0"/>
-              <a:t>Validator</a:t>
+              <a:t>Spring boot - REST Validation Example - Custom Validator</a:t>
             </a:r>
           </a:p>
         </p:txBody>
@@ -5843,21 +5642,6 @@
   <p:clrMapOvr>
     <a:masterClrMapping/>
   </p:clrMapOvr>
-  <mc:AlternateContent xmlns:mc="http://schemas.openxmlformats.org/markup-compatibility/2006" xmlns:p14="http://schemas.microsoft.com/office/powerpoint/2010/main">
-    <mc:Choice Requires="p14">
-      <p:transition p14:dur="0"/>
-    </mc:Choice>
-    <mc:Fallback xmlns="">
-      <p:transition/>
-    </mc:Fallback>
-  </mc:AlternateContent>
-  <p:timing>
-    <p:tnLst>
-      <p:par>
-        <p:cTn id="1" dur="indefinite" restart="never" nodeType="tmRoot"/>
-      </p:par>
-    </p:tnLst>
-  </p:timing>
 </p:sld>
 </file>
 
@@ -6176,10 +5960,9 @@
           <a:p>
             <a:pPr algn="ctr"/>
             <a:r>
-              <a:rPr lang="en-US" sz="1200" dirty="0" smtClean="0"/>
+              <a:rPr lang="en-US" sz="1200" dirty="0"/>
               <a:t>4</a:t>
             </a:r>
-            <a:endParaRPr lang="en-US" sz="1200" dirty="0"/>
           </a:p>
         </p:txBody>
       </p:sp>
@@ -6380,20 +6163,8 @@
           <a:p>
             <a:pPr algn="ctr"/>
             <a:r>
-              <a:rPr lang="en-US" sz="1200" dirty="0" smtClean="0"/>
-              <a:t>Spring boot - </a:t>
-            </a:r>
-            <a:r>
               <a:rPr lang="en-US" sz="1200" dirty="0"/>
-              <a:t>REST Validation </a:t>
-            </a:r>
-            <a:r>
-              <a:rPr lang="en-US" sz="1200" dirty="0" smtClean="0"/>
-              <a:t>Example - Custom </a:t>
-            </a:r>
-            <a:r>
-              <a:rPr lang="en-US" sz="1200" dirty="0"/>
-              <a:t>Validator</a:t>
+              <a:t>Spring boot - REST Validation Example - Custom Validator</a:t>
             </a:r>
           </a:p>
         </p:txBody>
@@ -6408,21 +6179,269 @@
   <p:clrMapOvr>
     <a:masterClrMapping/>
   </p:clrMapOvr>
-  <mc:AlternateContent xmlns:mc="http://schemas.openxmlformats.org/markup-compatibility/2006" xmlns:p14="http://schemas.microsoft.com/office/powerpoint/2010/main">
-    <mc:Choice Requires="p14">
-      <p:transition p14:dur="0"/>
-    </mc:Choice>
-    <mc:Fallback xmlns="">
-      <p:transition/>
-    </mc:Fallback>
-  </mc:AlternateContent>
-  <p:timing>
-    <p:tnLst>
-      <p:par>
-        <p:cTn id="1" dur="indefinite" restart="never" nodeType="tmRoot"/>
-      </p:par>
-    </p:tnLst>
-  </p:timing>
+</p:sld>
+</file>
+
+<file path=ppt/slides/slide5.xml><?xml version="1.0" encoding="utf-8"?>
+<p:sld xmlns:a="http://schemas.openxmlformats.org/drawingml/2006/main" xmlns:r="http://schemas.openxmlformats.org/officeDocument/2006/relationships" xmlns:p="http://schemas.openxmlformats.org/presentationml/2006/main">
+  <p:cSld>
+    <p:spTree>
+      <p:nvGrpSpPr>
+        <p:cNvPr id="1" name=""/>
+        <p:cNvGrpSpPr/>
+        <p:nvPr/>
+      </p:nvGrpSpPr>
+      <p:grpSpPr>
+        <a:xfrm>
+          <a:off x="0" y="0"/>
+          <a:ext cx="0" cy="0"/>
+          <a:chOff x="0" y="0"/>
+          <a:chExt cx="0" cy="0"/>
+        </a:xfrm>
+      </p:grpSpPr>
+      <p:sp>
+        <p:nvSpPr>
+          <p:cNvPr id="4" name="TextBox 3">
+            <a:extLst>
+              <a:ext uri="{FF2B5EF4-FFF2-40B4-BE49-F238E27FC236}">
+                <a16:creationId xmlns:a16="http://schemas.microsoft.com/office/drawing/2014/main" id="{6DBBFDA6-2EFB-9C43-9352-6BFCF5C94B74}"/>
+              </a:ext>
+            </a:extLst>
+          </p:cNvPr>
+          <p:cNvSpPr txBox="1"/>
+          <p:nvPr/>
+        </p:nvSpPr>
+        <p:spPr>
+          <a:xfrm>
+            <a:off x="304800" y="304800"/>
+            <a:ext cx="8610600" cy="6247864"/>
+          </a:xfrm>
+          <a:prstGeom prst="rect">
+            <a:avLst/>
+          </a:prstGeom>
+          <a:noFill/>
+        </p:spPr>
+        <p:txBody>
+          <a:bodyPr wrap="square" rtlCol="0">
+            <a:spAutoFit/>
+          </a:bodyPr>
+          <a:lstStyle/>
+          <a:p>
+            <a:r>
+              <a:rPr lang="en-US" dirty="0"/>
+              <a:t>Default Validation</a:t>
+            </a:r>
+          </a:p>
+          <a:p>
+            <a:r>
+              <a:rPr lang="en-US" sz="1600" dirty="0"/>
+              <a:t>1.  First add </a:t>
+            </a:r>
+            <a:r>
+              <a:rPr lang="en-US" sz="1600" dirty="0" err="1"/>
+              <a:t>belo</a:t>
+            </a:r>
+            <a:r>
+              <a:rPr lang="en-US" sz="1600" dirty="0"/>
+              <a:t> dependency in </a:t>
+            </a:r>
+            <a:r>
+              <a:rPr lang="en-US" sz="1600" dirty="0" err="1"/>
+              <a:t>pom.xml</a:t>
+            </a:r>
+            <a:r>
+              <a:rPr lang="en-US" sz="1600" dirty="0"/>
+              <a:t> file</a:t>
+            </a:r>
+          </a:p>
+          <a:p>
+            <a:r>
+              <a:rPr lang="en-US" sz="1200" dirty="0"/>
+              <a:t>&lt;!-- https://</a:t>
+            </a:r>
+            <a:r>
+              <a:rPr lang="en-US" sz="1200" dirty="0" err="1"/>
+              <a:t>mvnrepository.com</a:t>
+            </a:r>
+            <a:r>
+              <a:rPr lang="en-US" sz="1200" dirty="0"/>
+              <a:t>/artifact/</a:t>
+            </a:r>
+            <a:r>
+              <a:rPr lang="en-US" sz="1200" dirty="0" err="1"/>
+              <a:t>org.springframework.boot</a:t>
+            </a:r>
+            <a:r>
+              <a:rPr lang="en-US" sz="1200" dirty="0"/>
+              <a:t>/spring-boot-starter-validation --&gt;</a:t>
+            </a:r>
+          </a:p>
+          <a:p>
+            <a:r>
+              <a:rPr lang="en-US" sz="1200" dirty="0"/>
+              <a:t>&lt;dependency&gt;</a:t>
+            </a:r>
+          </a:p>
+          <a:p>
+            <a:r>
+              <a:rPr lang="en-US" sz="1200" dirty="0"/>
+              <a:t>    &lt;</a:t>
+            </a:r>
+            <a:r>
+              <a:rPr lang="en-US" sz="1200" dirty="0" err="1"/>
+              <a:t>groupId</a:t>
+            </a:r>
+            <a:r>
+              <a:rPr lang="en-US" sz="1200" dirty="0"/>
+              <a:t>&gt;</a:t>
+            </a:r>
+            <a:r>
+              <a:rPr lang="en-US" sz="1200" dirty="0" err="1"/>
+              <a:t>org.springframework.boot</a:t>
+            </a:r>
+            <a:r>
+              <a:rPr lang="en-US" sz="1200" dirty="0"/>
+              <a:t>&lt;/</a:t>
+            </a:r>
+            <a:r>
+              <a:rPr lang="en-US" sz="1200" dirty="0" err="1"/>
+              <a:t>groupId</a:t>
+            </a:r>
+            <a:r>
+              <a:rPr lang="en-US" sz="1200" dirty="0"/>
+              <a:t>&gt;</a:t>
+            </a:r>
+          </a:p>
+          <a:p>
+            <a:r>
+              <a:rPr lang="en-US" sz="1200" dirty="0"/>
+              <a:t>    &lt;</a:t>
+            </a:r>
+            <a:r>
+              <a:rPr lang="en-US" sz="1200" dirty="0" err="1"/>
+              <a:t>artifactId</a:t>
+            </a:r>
+            <a:r>
+              <a:rPr lang="en-US" sz="1200" dirty="0"/>
+              <a:t>&gt;spring-boot-starter-validation&lt;/</a:t>
+            </a:r>
+            <a:r>
+              <a:rPr lang="en-US" sz="1200" dirty="0" err="1"/>
+              <a:t>artifactId</a:t>
+            </a:r>
+            <a:r>
+              <a:rPr lang="en-US" sz="1200" dirty="0"/>
+              <a:t>&gt;</a:t>
+            </a:r>
+          </a:p>
+          <a:p>
+            <a:r>
+              <a:rPr lang="en-US" sz="1200" dirty="0"/>
+              <a:t>    &lt;version&gt;2.3.3.RELEASE&lt;/version&gt;</a:t>
+            </a:r>
+          </a:p>
+          <a:p>
+            <a:r>
+              <a:rPr lang="en-US" sz="1200" dirty="0"/>
+              <a:t>&lt;/dependency&gt;</a:t>
+            </a:r>
+          </a:p>
+          <a:p>
+            <a:endParaRPr lang="en-US" sz="1200" dirty="0"/>
+          </a:p>
+          <a:p>
+            <a:r>
+              <a:rPr lang="en-US" sz="1200" dirty="0"/>
+              <a:t>2. @Valid @</a:t>
+            </a:r>
+            <a:r>
+              <a:rPr lang="en-US" sz="1200" dirty="0" err="1"/>
+              <a:t>RequestBody</a:t>
+            </a:r>
+            <a:r>
+              <a:rPr lang="en-US" sz="1200" dirty="0"/>
+              <a:t> Product product // add @Valid on request body entity class</a:t>
+            </a:r>
+          </a:p>
+          <a:p>
+            <a:endParaRPr lang="en-US" sz="1200" dirty="0"/>
+          </a:p>
+          <a:p>
+            <a:r>
+              <a:rPr lang="en-US" sz="1200" dirty="0"/>
+              <a:t>3. Add appropriate annotation on model class like @</a:t>
+            </a:r>
+            <a:r>
+              <a:rPr lang="en-US" sz="1200" dirty="0" err="1"/>
+              <a:t>NotNull</a:t>
+            </a:r>
+            <a:r>
+              <a:rPr lang="en-US" sz="1200" dirty="0"/>
+              <a:t>, </a:t>
+            </a:r>
+            <a:r>
+              <a:rPr lang="en-US" sz="1200"/>
+              <a:t>@Size(Max=100)</a:t>
+            </a:r>
+            <a:endParaRPr lang="en-US" sz="1200" dirty="0"/>
+          </a:p>
+          <a:p>
+            <a:endParaRPr lang="en-US" sz="1200" dirty="0"/>
+          </a:p>
+          <a:p>
+            <a:endParaRPr lang="en-US" sz="1200" dirty="0"/>
+          </a:p>
+          <a:p>
+            <a:endParaRPr lang="en-US" sz="1200" dirty="0"/>
+          </a:p>
+          <a:p>
+            <a:endParaRPr lang="en-US" sz="1200" dirty="0"/>
+          </a:p>
+          <a:p>
+            <a:endParaRPr lang="en-US" dirty="0"/>
+          </a:p>
+          <a:p>
+            <a:endParaRPr lang="en-US" dirty="0"/>
+          </a:p>
+          <a:p>
+            <a:endParaRPr lang="en-US" dirty="0"/>
+          </a:p>
+          <a:p>
+            <a:endParaRPr lang="en-US" dirty="0"/>
+          </a:p>
+          <a:p>
+            <a:endParaRPr lang="en-US" dirty="0"/>
+          </a:p>
+          <a:p>
+            <a:endParaRPr lang="en-US" dirty="0"/>
+          </a:p>
+          <a:p>
+            <a:endParaRPr lang="en-US" dirty="0"/>
+          </a:p>
+          <a:p>
+            <a:endParaRPr lang="en-US" dirty="0"/>
+          </a:p>
+          <a:p>
+            <a:endParaRPr lang="en-US" dirty="0"/>
+          </a:p>
+          <a:p>
+            <a:endParaRPr lang="en-US" dirty="0"/>
+          </a:p>
+          <a:p>
+            <a:endParaRPr lang="en-US" dirty="0"/>
+          </a:p>
+        </p:txBody>
+      </p:sp>
+    </p:spTree>
+    <p:extLst>
+      <p:ext uri="{BB962C8B-B14F-4D97-AF65-F5344CB8AC3E}">
+        <p14:creationId xmlns:p14="http://schemas.microsoft.com/office/powerpoint/2010/main" val="3569272389"/>
+      </p:ext>
+    </p:extLst>
+  </p:cSld>
+  <p:clrMapOvr>
+    <a:masterClrMapping/>
+  </p:clrMapOvr>
 </p:sld>
 </file>
 

--- a/SpringBootPPT/Spring REST Validation.pptx
+++ b/SpringBootPPT/Spring REST Validation.pptx
@@ -5,7 +5,7 @@
     <p:sldMasterId id="2147483672" r:id="rId1"/>
   </p:sldMasterIdLst>
   <p:notesMasterIdLst>
-    <p:notesMasterId r:id="rId7"/>
+    <p:notesMasterId r:id="rId10"/>
   </p:notesMasterIdLst>
   <p:sldIdLst>
     <p:sldId id="465" r:id="rId2"/>
@@ -13,6 +13,9 @@
     <p:sldId id="468" r:id="rId4"/>
     <p:sldId id="469" r:id="rId5"/>
     <p:sldId id="470" r:id="rId6"/>
+    <p:sldId id="471" r:id="rId7"/>
+    <p:sldId id="472" r:id="rId8"/>
+    <p:sldId id="473" r:id="rId9"/>
   </p:sldIdLst>
   <p:sldSz cx="9144000" cy="5029200"/>
   <p:notesSz cx="6858000" cy="9144000"/>
@@ -226,7 +229,7 @@
           <a:p>
             <a:fld id="{62274EC6-3890-417B-9308-14EFBD00FA63}" type="datetimeFigureOut">
               <a:rPr lang="en-US" smtClean="0"/>
-              <a:t>8/27/20</a:t>
+              <a:t>9/3/20</a:t>
             </a:fld>
             <a:endParaRPr lang="en-US" dirty="0"/>
           </a:p>
@@ -1029,7 +1032,7 @@
             <a:fld id="{1D8BD707-D9CF-40AE-B4C6-C98DA3205C09}" type="datetimeFigureOut">
               <a:rPr lang="en-US" smtClean="0"/>
               <a:pPr/>
-              <a:t>8/27/20</a:t>
+              <a:t>9/3/20</a:t>
             </a:fld>
             <a:endParaRPr lang="en-US" dirty="0"/>
           </a:p>
@@ -1199,7 +1202,7 @@
             <a:fld id="{1D8BD707-D9CF-40AE-B4C6-C98DA3205C09}" type="datetimeFigureOut">
               <a:rPr lang="en-US" smtClean="0"/>
               <a:pPr/>
-              <a:t>8/27/20</a:t>
+              <a:t>9/3/20</a:t>
             </a:fld>
             <a:endParaRPr lang="en-US" dirty="0"/>
           </a:p>
@@ -1379,7 +1382,7 @@
             <a:fld id="{1D8BD707-D9CF-40AE-B4C6-C98DA3205C09}" type="datetimeFigureOut">
               <a:rPr lang="en-US" smtClean="0"/>
               <a:pPr/>
-              <a:t>8/27/20</a:t>
+              <a:t>9/3/20</a:t>
             </a:fld>
             <a:endParaRPr lang="en-US" dirty="0"/>
           </a:p>
@@ -1549,7 +1552,7 @@
             <a:fld id="{1D8BD707-D9CF-40AE-B4C6-C98DA3205C09}" type="datetimeFigureOut">
               <a:rPr lang="en-US" smtClean="0"/>
               <a:pPr/>
-              <a:t>8/27/20</a:t>
+              <a:t>9/3/20</a:t>
             </a:fld>
             <a:endParaRPr lang="en-US" dirty="0"/>
           </a:p>
@@ -1796,7 +1799,7 @@
             <a:fld id="{1D8BD707-D9CF-40AE-B4C6-C98DA3205C09}" type="datetimeFigureOut">
               <a:rPr lang="en-US" smtClean="0"/>
               <a:pPr/>
-              <a:t>8/27/20</a:t>
+              <a:t>9/3/20</a:t>
             </a:fld>
             <a:endParaRPr lang="en-US" dirty="0"/>
           </a:p>
@@ -2083,7 +2086,7 @@
             <a:fld id="{1D8BD707-D9CF-40AE-B4C6-C98DA3205C09}" type="datetimeFigureOut">
               <a:rPr lang="en-US" smtClean="0"/>
               <a:pPr/>
-              <a:t>8/27/20</a:t>
+              <a:t>9/3/20</a:t>
             </a:fld>
             <a:endParaRPr lang="en-US" dirty="0"/>
           </a:p>
@@ -2509,7 +2512,7 @@
             <a:fld id="{1D8BD707-D9CF-40AE-B4C6-C98DA3205C09}" type="datetimeFigureOut">
               <a:rPr lang="en-US" smtClean="0"/>
               <a:pPr/>
-              <a:t>8/27/20</a:t>
+              <a:t>9/3/20</a:t>
             </a:fld>
             <a:endParaRPr lang="en-US" dirty="0"/>
           </a:p>
@@ -2628,7 +2631,7 @@
             <a:fld id="{1D8BD707-D9CF-40AE-B4C6-C98DA3205C09}" type="datetimeFigureOut">
               <a:rPr lang="en-US" smtClean="0"/>
               <a:pPr/>
-              <a:t>8/27/20</a:t>
+              <a:t>9/3/20</a:t>
             </a:fld>
             <a:endParaRPr lang="en-US" dirty="0"/>
           </a:p>
@@ -2725,7 +2728,7 @@
             <a:fld id="{1D8BD707-D9CF-40AE-B4C6-C98DA3205C09}" type="datetimeFigureOut">
               <a:rPr lang="en-US" smtClean="0"/>
               <a:pPr/>
-              <a:t>8/27/20</a:t>
+              <a:t>9/3/20</a:t>
             </a:fld>
             <a:endParaRPr lang="en-US" dirty="0"/>
           </a:p>
@@ -3002,7 +3005,7 @@
             <a:fld id="{1D8BD707-D9CF-40AE-B4C6-C98DA3205C09}" type="datetimeFigureOut">
               <a:rPr lang="en-US" smtClean="0"/>
               <a:pPr/>
-              <a:t>8/27/20</a:t>
+              <a:t>9/3/20</a:t>
             </a:fld>
             <a:endParaRPr lang="en-US" dirty="0"/>
           </a:p>
@@ -3256,7 +3259,7 @@
             <a:fld id="{1D8BD707-D9CF-40AE-B4C6-C98DA3205C09}" type="datetimeFigureOut">
               <a:rPr lang="en-US" smtClean="0"/>
               <a:pPr/>
-              <a:t>8/27/20</a:t>
+              <a:t>9/3/20</a:t>
             </a:fld>
             <a:endParaRPr lang="en-US" dirty="0"/>
           </a:p>
@@ -3469,7 +3472,7 @@
             <a:fld id="{1D8BD707-D9CF-40AE-B4C6-C98DA3205C09}" type="datetimeFigureOut">
               <a:rPr lang="en-US" smtClean="0"/>
               <a:pPr/>
-              <a:t>8/27/20</a:t>
+              <a:t>9/3/20</a:t>
             </a:fld>
             <a:endParaRPr lang="en-US" dirty="0"/>
           </a:p>
@@ -6377,13 +6380,8 @@
             </a:r>
             <a:r>
               <a:rPr lang="en-US" sz="1200" dirty="0"/>
-              <a:t>, </a:t>
-            </a:r>
-            <a:r>
-              <a:rPr lang="en-US" sz="1200"/>
-              <a:t>@Size(Max=100)</a:t>
-            </a:r>
-            <a:endParaRPr lang="en-US" sz="1200" dirty="0"/>
+              <a:t>, @Size(Max=100)</a:t>
+            </a:r>
           </a:p>
           <a:p>
             <a:endParaRPr lang="en-US" sz="1200" dirty="0"/>
@@ -6436,6 +6434,1001 @@
     <p:extLst>
       <p:ext uri="{BB962C8B-B14F-4D97-AF65-F5344CB8AC3E}">
         <p14:creationId xmlns:p14="http://schemas.microsoft.com/office/powerpoint/2010/main" val="3569272389"/>
+      </p:ext>
+    </p:extLst>
+  </p:cSld>
+  <p:clrMapOvr>
+    <a:masterClrMapping/>
+  </p:clrMapOvr>
+</p:sld>
+</file>
+
+<file path=ppt/slides/slide6.xml><?xml version="1.0" encoding="utf-8"?>
+<p:sld xmlns:a="http://schemas.openxmlformats.org/drawingml/2006/main" xmlns:r="http://schemas.openxmlformats.org/officeDocument/2006/relationships" xmlns:p="http://schemas.openxmlformats.org/presentationml/2006/main">
+  <p:cSld>
+    <p:spTree>
+      <p:nvGrpSpPr>
+        <p:cNvPr id="1" name=""/>
+        <p:cNvGrpSpPr/>
+        <p:nvPr/>
+      </p:nvGrpSpPr>
+      <p:grpSpPr>
+        <a:xfrm>
+          <a:off x="0" y="0"/>
+          <a:ext cx="0" cy="0"/>
+          <a:chOff x="0" y="0"/>
+          <a:chExt cx="0" cy="0"/>
+        </a:xfrm>
+      </p:grpSpPr>
+      <p:sp>
+        <p:nvSpPr>
+          <p:cNvPr id="2" name="TextBox 1">
+            <a:extLst>
+              <a:ext uri="{FF2B5EF4-FFF2-40B4-BE49-F238E27FC236}">
+                <a16:creationId xmlns:a16="http://schemas.microsoft.com/office/drawing/2014/main" id="{79A79CDF-315E-704A-BEA7-B332A9F220AB}"/>
+              </a:ext>
+            </a:extLst>
+          </p:cNvPr>
+          <p:cNvSpPr txBox="1"/>
+          <p:nvPr/>
+        </p:nvSpPr>
+        <p:spPr>
+          <a:xfrm>
+            <a:off x="457200" y="304800"/>
+            <a:ext cx="8382000" cy="4955203"/>
+          </a:xfrm>
+          <a:prstGeom prst="rect">
+            <a:avLst/>
+          </a:prstGeom>
+          <a:noFill/>
+        </p:spPr>
+        <p:txBody>
+          <a:bodyPr wrap="square" rtlCol="0">
+            <a:spAutoFit/>
+          </a:bodyPr>
+          <a:lstStyle/>
+          <a:p>
+            <a:r>
+              <a:rPr lang="en-US" sz="1600" dirty="0" err="1"/>
+              <a:t>Custome</a:t>
+            </a:r>
+            <a:r>
+              <a:rPr lang="en-US" sz="1600" dirty="0"/>
+              <a:t> </a:t>
+            </a:r>
+            <a:r>
+              <a:rPr lang="en-US" sz="1600" dirty="0" err="1"/>
+              <a:t>Validtion</a:t>
+            </a:r>
+            <a:r>
+              <a:rPr lang="en-US" sz="1600" dirty="0"/>
+              <a:t>:</a:t>
+            </a:r>
+          </a:p>
+          <a:p>
+            <a:r>
+              <a:rPr lang="en-US" sz="1200" dirty="0"/>
+              <a:t>1. Create a annotation class</a:t>
+            </a:r>
+          </a:p>
+          <a:p>
+            <a:r>
+              <a:rPr lang="en-US" sz="1200" dirty="0"/>
+              <a:t>2. Creation validator class</a:t>
+            </a:r>
+          </a:p>
+          <a:p>
+            <a:r>
+              <a:rPr lang="en-US" sz="1200" dirty="0"/>
+              <a:t>3. Add that annotation class annotation to Class or field or method</a:t>
+            </a:r>
+          </a:p>
+          <a:p>
+            <a:endParaRPr lang="en-US" sz="1600" dirty="0"/>
+          </a:p>
+          <a:p>
+            <a:r>
+              <a:rPr lang="en-US" sz="1600" dirty="0"/>
+              <a:t>Model Class</a:t>
+            </a:r>
+          </a:p>
+          <a:p>
+            <a:r>
+              <a:rPr lang="en-US" sz="1200" dirty="0"/>
+              <a:t>@</a:t>
+            </a:r>
+            <a:r>
+              <a:rPr lang="en-US" sz="1200" dirty="0" err="1"/>
+              <a:t>PriceValid</a:t>
+            </a:r>
+            <a:r>
+              <a:rPr lang="en-US" sz="1200" dirty="0"/>
+              <a:t>(message="</a:t>
+            </a:r>
+            <a:r>
+              <a:rPr lang="en-US" sz="1200" dirty="0" err="1"/>
+              <a:t>invlid</a:t>
+            </a:r>
+            <a:r>
+              <a:rPr lang="en-US" sz="1200" dirty="0"/>
+              <a:t> price")</a:t>
+            </a:r>
+          </a:p>
+          <a:p>
+            <a:r>
+              <a:rPr lang="en-US" sz="1200" dirty="0"/>
+              <a:t>private </a:t>
+            </a:r>
+            <a:r>
+              <a:rPr lang="en-US" sz="1200" dirty="0" err="1"/>
+              <a:t>int</a:t>
+            </a:r>
+            <a:r>
+              <a:rPr lang="en-US" sz="1200" dirty="0"/>
+              <a:t> price;</a:t>
+            </a:r>
+          </a:p>
+          <a:p>
+            <a:endParaRPr lang="en-US" sz="1200" dirty="0"/>
+          </a:p>
+          <a:p>
+            <a:r>
+              <a:rPr lang="en-US" sz="1400" b="1" dirty="0"/>
+              <a:t>Annotation class</a:t>
+            </a:r>
+          </a:p>
+          <a:p>
+            <a:endParaRPr lang="en-US" sz="1200" dirty="0"/>
+          </a:p>
+          <a:p>
+            <a:r>
+              <a:rPr lang="en-US" sz="1000" dirty="0"/>
+              <a:t>@Constraint(</a:t>
+            </a:r>
+            <a:r>
+              <a:rPr lang="en-US" sz="1000" dirty="0" err="1"/>
+              <a:t>validatedBy</a:t>
+            </a:r>
+            <a:r>
+              <a:rPr lang="en-US" sz="1000" dirty="0"/>
+              <a:t>=</a:t>
+            </a:r>
+            <a:r>
+              <a:rPr lang="en-US" sz="1000" dirty="0" err="1"/>
+              <a:t>PriceValidation.class</a:t>
+            </a:r>
+            <a:r>
+              <a:rPr lang="en-US" sz="1000" dirty="0"/>
+              <a:t>)</a:t>
+            </a:r>
+          </a:p>
+          <a:p>
+            <a:r>
+              <a:rPr lang="en-US" sz="1000" dirty="0"/>
+              <a:t>@Target({</a:t>
+            </a:r>
+            <a:r>
+              <a:rPr lang="en-US" sz="1000" dirty="0" err="1"/>
+              <a:t>ElementType.TYPE,ElementType.FIELD</a:t>
+            </a:r>
+            <a:r>
+              <a:rPr lang="en-US" sz="1000" dirty="0"/>
+              <a:t>})</a:t>
+            </a:r>
+          </a:p>
+          <a:p>
+            <a:r>
+              <a:rPr lang="en-US" sz="1000" dirty="0"/>
+              <a:t>@Retention(</a:t>
+            </a:r>
+            <a:r>
+              <a:rPr lang="en-US" sz="1000" dirty="0" err="1"/>
+              <a:t>RetentionPolicy.RUNTIME</a:t>
+            </a:r>
+            <a:r>
+              <a:rPr lang="en-US" sz="1000" dirty="0"/>
+              <a:t>)</a:t>
+            </a:r>
+          </a:p>
+          <a:p>
+            <a:r>
+              <a:rPr lang="en-US" sz="1000" dirty="0"/>
+              <a:t>@Documented</a:t>
+            </a:r>
+          </a:p>
+          <a:p>
+            <a:r>
+              <a:rPr lang="en-US" sz="1000" dirty="0"/>
+              <a:t>public @interface </a:t>
+            </a:r>
+            <a:r>
+              <a:rPr lang="en-US" sz="1000" dirty="0" err="1"/>
+              <a:t>PriceValid</a:t>
+            </a:r>
+            <a:r>
+              <a:rPr lang="en-US" sz="1000" dirty="0"/>
+              <a:t> {</a:t>
+            </a:r>
+          </a:p>
+          <a:p>
+            <a:r>
+              <a:rPr lang="en-US" sz="1000" dirty="0"/>
+              <a:t>String message() default "Price can not be  less than 10";</a:t>
+            </a:r>
+          </a:p>
+          <a:p>
+            <a:r>
+              <a:rPr lang="en-US" sz="1000" dirty="0"/>
+              <a:t>    Class&lt;?&gt;[] groups() default {};</a:t>
+            </a:r>
+          </a:p>
+          <a:p>
+            <a:r>
+              <a:rPr lang="en-US" sz="1000" dirty="0"/>
+              <a:t>    Class&lt;? extends Payload&gt;[] payload() default {};</a:t>
+            </a:r>
+          </a:p>
+          <a:p>
+            <a:endParaRPr lang="en-US" dirty="0"/>
+          </a:p>
+          <a:p>
+            <a:endParaRPr lang="en-US" dirty="0"/>
+          </a:p>
+          <a:p>
+            <a:endParaRPr lang="en-US" dirty="0"/>
+          </a:p>
+          <a:p>
+            <a:endParaRPr lang="en-US" dirty="0"/>
+          </a:p>
+          <a:p>
+            <a:endParaRPr lang="en-US" dirty="0"/>
+          </a:p>
+        </p:txBody>
+      </p:sp>
+    </p:spTree>
+    <p:extLst>
+      <p:ext uri="{BB962C8B-B14F-4D97-AF65-F5344CB8AC3E}">
+        <p14:creationId xmlns:p14="http://schemas.microsoft.com/office/powerpoint/2010/main" val="3017669061"/>
+      </p:ext>
+    </p:extLst>
+  </p:cSld>
+  <p:clrMapOvr>
+    <a:masterClrMapping/>
+  </p:clrMapOvr>
+</p:sld>
+</file>
+
+<file path=ppt/slides/slide7.xml><?xml version="1.0" encoding="utf-8"?>
+<p:sld xmlns:a="http://schemas.openxmlformats.org/drawingml/2006/main" xmlns:r="http://schemas.openxmlformats.org/officeDocument/2006/relationships" xmlns:p="http://schemas.openxmlformats.org/presentationml/2006/main">
+  <p:cSld>
+    <p:spTree>
+      <p:nvGrpSpPr>
+        <p:cNvPr id="1" name=""/>
+        <p:cNvGrpSpPr/>
+        <p:nvPr/>
+      </p:nvGrpSpPr>
+      <p:grpSpPr>
+        <a:xfrm>
+          <a:off x="0" y="0"/>
+          <a:ext cx="0" cy="0"/>
+          <a:chOff x="0" y="0"/>
+          <a:chExt cx="0" cy="0"/>
+        </a:xfrm>
+      </p:grpSpPr>
+      <p:sp>
+        <p:nvSpPr>
+          <p:cNvPr id="2" name="TextBox 1">
+            <a:extLst>
+              <a:ext uri="{FF2B5EF4-FFF2-40B4-BE49-F238E27FC236}">
+                <a16:creationId xmlns:a16="http://schemas.microsoft.com/office/drawing/2014/main" id="{70ECDA1E-A758-CE44-8A79-C3D5011FD7E4}"/>
+              </a:ext>
+            </a:extLst>
+          </p:cNvPr>
+          <p:cNvSpPr txBox="1"/>
+          <p:nvPr/>
+        </p:nvSpPr>
+        <p:spPr>
+          <a:xfrm>
+            <a:off x="533400" y="1126435"/>
+            <a:ext cx="6096000" cy="2831544"/>
+          </a:xfrm>
+          <a:prstGeom prst="rect">
+            <a:avLst/>
+          </a:prstGeom>
+          <a:noFill/>
+        </p:spPr>
+        <p:txBody>
+          <a:bodyPr wrap="square" rtlCol="0">
+            <a:spAutoFit/>
+          </a:bodyPr>
+          <a:lstStyle/>
+          <a:p>
+            <a:r>
+              <a:rPr lang="en-US" sz="1000" dirty="0"/>
+              <a:t>public class </a:t>
+            </a:r>
+            <a:r>
+              <a:rPr lang="en-US" sz="1000" dirty="0" err="1"/>
+              <a:t>PriceValidation</a:t>
+            </a:r>
+            <a:r>
+              <a:rPr lang="en-US" sz="1000" dirty="0"/>
+              <a:t> implements </a:t>
+            </a:r>
+            <a:r>
+              <a:rPr lang="en-US" sz="1000" dirty="0" err="1"/>
+              <a:t>ConstraintValidator</a:t>
+            </a:r>
+            <a:r>
+              <a:rPr lang="en-US" sz="1000" dirty="0"/>
+              <a:t>&lt;</a:t>
+            </a:r>
+            <a:r>
+              <a:rPr lang="en-US" sz="1000" dirty="0" err="1"/>
+              <a:t>PriceValid</a:t>
+            </a:r>
+            <a:r>
+              <a:rPr lang="en-US" sz="1000" dirty="0"/>
+              <a:t>, Integer&gt; {</a:t>
+            </a:r>
+          </a:p>
+          <a:p>
+            <a:br>
+              <a:rPr lang="en-US" sz="1000" dirty="0"/>
+            </a:br>
+            <a:endParaRPr lang="en-US" sz="1000" dirty="0"/>
+          </a:p>
+          <a:p>
+            <a:r>
+              <a:rPr lang="en-US" sz="1000" dirty="0"/>
+              <a:t>@Override</a:t>
+            </a:r>
+          </a:p>
+          <a:p>
+            <a:r>
+              <a:rPr lang="en-US" sz="1000" dirty="0"/>
+              <a:t>public </a:t>
+            </a:r>
+            <a:r>
+              <a:rPr lang="en-US" sz="1000" dirty="0" err="1"/>
+              <a:t>boolean</a:t>
+            </a:r>
+            <a:r>
+              <a:rPr lang="en-US" sz="1000" dirty="0"/>
+              <a:t> </a:t>
+            </a:r>
+            <a:r>
+              <a:rPr lang="en-US" sz="1000" dirty="0" err="1"/>
+              <a:t>isValid</a:t>
+            </a:r>
+            <a:r>
+              <a:rPr lang="en-US" sz="1000" dirty="0"/>
+              <a:t>(Integer price, </a:t>
+            </a:r>
+            <a:r>
+              <a:rPr lang="en-US" sz="1000" dirty="0" err="1"/>
+              <a:t>ConstraintValidatorContext</a:t>
+            </a:r>
+            <a:r>
+              <a:rPr lang="en-US" sz="1000" dirty="0"/>
+              <a:t> arg1) {</a:t>
+            </a:r>
+          </a:p>
+          <a:p>
+            <a:r>
+              <a:rPr lang="en-US" sz="1000" dirty="0"/>
+              <a:t>//arg1.disableDefaultConstraintViolation();</a:t>
+            </a:r>
+          </a:p>
+          <a:p>
+            <a:r>
+              <a:rPr lang="en-US" sz="1000" dirty="0"/>
+              <a:t>if(price &gt; 10)</a:t>
+            </a:r>
+          </a:p>
+          <a:p>
+            <a:r>
+              <a:rPr lang="en-US" sz="1000" dirty="0"/>
+              <a:t>{</a:t>
+            </a:r>
+          </a:p>
+          <a:p>
+            <a:r>
+              <a:rPr lang="en-US" sz="1000" dirty="0"/>
+              <a:t>return true;</a:t>
+            </a:r>
+          </a:p>
+          <a:p>
+            <a:r>
+              <a:rPr lang="en-US" sz="1000" dirty="0"/>
+              <a:t>}</a:t>
+            </a:r>
+          </a:p>
+          <a:p>
+            <a:r>
+              <a:rPr lang="en-US" sz="1000" dirty="0"/>
+              <a:t>else </a:t>
+            </a:r>
+          </a:p>
+          <a:p>
+            <a:r>
+              <a:rPr lang="en-US" sz="1000" dirty="0"/>
+              <a:t>{</a:t>
+            </a:r>
+          </a:p>
+          <a:p>
+            <a:r>
+              <a:rPr lang="en-US" sz="1000" dirty="0"/>
+              <a:t>//arg1.buildConstraintViolationWithTemplate("Price is Less than10").</a:t>
+            </a:r>
+            <a:r>
+              <a:rPr lang="en-US" sz="1000" dirty="0" err="1"/>
+              <a:t>addConstraintViolation</a:t>
+            </a:r>
+            <a:r>
+              <a:rPr lang="en-US" sz="1000" dirty="0"/>
+              <a:t>();</a:t>
+            </a:r>
+          </a:p>
+          <a:p>
+            <a:r>
+              <a:rPr lang="en-US" sz="1000" dirty="0"/>
+              <a:t>return false;</a:t>
+            </a:r>
+          </a:p>
+          <a:p>
+            <a:r>
+              <a:rPr lang="en-US" sz="1000" dirty="0"/>
+              <a:t>}</a:t>
+            </a:r>
+          </a:p>
+          <a:p>
+            <a:r>
+              <a:rPr lang="en-US" sz="1000" dirty="0"/>
+              <a:t>}</a:t>
+            </a:r>
+          </a:p>
+          <a:p>
+            <a:endParaRPr lang="en-US" dirty="0"/>
+          </a:p>
+        </p:txBody>
+      </p:sp>
+    </p:spTree>
+    <p:extLst>
+      <p:ext uri="{BB962C8B-B14F-4D97-AF65-F5344CB8AC3E}">
+        <p14:creationId xmlns:p14="http://schemas.microsoft.com/office/powerpoint/2010/main" val="1042756933"/>
+      </p:ext>
+    </p:extLst>
+  </p:cSld>
+  <p:clrMapOvr>
+    <a:masterClrMapping/>
+  </p:clrMapOvr>
+</p:sld>
+</file>
+
+<file path=ppt/slides/slide8.xml><?xml version="1.0" encoding="utf-8"?>
+<p:sld xmlns:a="http://schemas.openxmlformats.org/drawingml/2006/main" xmlns:r="http://schemas.openxmlformats.org/officeDocument/2006/relationships" xmlns:p="http://schemas.openxmlformats.org/presentationml/2006/main">
+  <p:cSld>
+    <p:spTree>
+      <p:nvGrpSpPr>
+        <p:cNvPr id="1" name=""/>
+        <p:cNvGrpSpPr/>
+        <p:nvPr/>
+      </p:nvGrpSpPr>
+      <p:grpSpPr>
+        <a:xfrm>
+          <a:off x="0" y="0"/>
+          <a:ext cx="0" cy="0"/>
+          <a:chOff x="0" y="0"/>
+          <a:chExt cx="0" cy="0"/>
+        </a:xfrm>
+      </p:grpSpPr>
+      <p:sp>
+        <p:nvSpPr>
+          <p:cNvPr id="2" name="TextBox 1">
+            <a:extLst>
+              <a:ext uri="{FF2B5EF4-FFF2-40B4-BE49-F238E27FC236}">
+                <a16:creationId xmlns:a16="http://schemas.microsoft.com/office/drawing/2014/main" id="{C0C3A95B-6A63-D846-BEC7-FC01E5F0D7AA}"/>
+              </a:ext>
+            </a:extLst>
+          </p:cNvPr>
+          <p:cNvSpPr txBox="1"/>
+          <p:nvPr/>
+        </p:nvSpPr>
+        <p:spPr>
+          <a:xfrm>
+            <a:off x="609600" y="381001"/>
+            <a:ext cx="8229600" cy="3939540"/>
+          </a:xfrm>
+          <a:prstGeom prst="rect">
+            <a:avLst/>
+          </a:prstGeom>
+          <a:noFill/>
+        </p:spPr>
+        <p:txBody>
+          <a:bodyPr wrap="square" rtlCol="0">
+            <a:spAutoFit/>
+          </a:bodyPr>
+          <a:lstStyle/>
+          <a:p>
+            <a:r>
+              <a:rPr lang="en-US" dirty="0" err="1"/>
+              <a:t>ExceptionHandler</a:t>
+            </a:r>
+            <a:r>
+              <a:rPr lang="en-US" dirty="0"/>
+              <a:t> to return clean and clear error message.</a:t>
+            </a:r>
+          </a:p>
+          <a:p>
+            <a:pPr marL="228600" indent="-228600">
+              <a:buAutoNum type="arabicPeriod"/>
+            </a:pPr>
+            <a:r>
+              <a:rPr lang="en-US" sz="1000" dirty="0"/>
+              <a:t>Create a Exception Handler class by extending </a:t>
+            </a:r>
+            <a:r>
+              <a:rPr lang="en-US" sz="1000" b="1" dirty="0" err="1"/>
+              <a:t>ResponseEntityExceptionHandler</a:t>
+            </a:r>
+            <a:r>
+              <a:rPr lang="en-US" sz="1000" b="1" dirty="0"/>
+              <a:t> class.</a:t>
+            </a:r>
+          </a:p>
+          <a:p>
+            <a:pPr marL="228600" indent="-228600">
+              <a:buAutoNum type="arabicPeriod"/>
+            </a:pPr>
+            <a:r>
+              <a:rPr lang="en-US" sz="1000" dirty="0"/>
+              <a:t>Add all exception handler method which are expected from controller, service class.</a:t>
+            </a:r>
+          </a:p>
+          <a:p>
+            <a:pPr marL="228600" indent="-228600">
+              <a:buAutoNum type="arabicPeriod"/>
+            </a:pPr>
+            <a:endParaRPr lang="en-US" sz="1000" dirty="0"/>
+          </a:p>
+          <a:p>
+            <a:r>
+              <a:rPr lang="en-US" sz="800" b="1" dirty="0"/>
+              <a:t>@</a:t>
+            </a:r>
+            <a:r>
+              <a:rPr lang="en-US" sz="800" b="1" dirty="0" err="1"/>
+              <a:t>RestControllerAdvice</a:t>
+            </a:r>
+            <a:endParaRPr lang="en-US" sz="800" b="1" dirty="0"/>
+          </a:p>
+          <a:p>
+            <a:r>
+              <a:rPr lang="en-US" sz="800" b="1" dirty="0"/>
+              <a:t>public class </a:t>
+            </a:r>
+            <a:r>
+              <a:rPr lang="en-US" sz="800" b="1" dirty="0" err="1"/>
+              <a:t>CustomExceptionHandler</a:t>
+            </a:r>
+            <a:r>
+              <a:rPr lang="en-US" sz="800" b="1" dirty="0"/>
+              <a:t> extends </a:t>
+            </a:r>
+            <a:r>
+              <a:rPr lang="en-US" sz="800" b="1" dirty="0" err="1"/>
+              <a:t>ResponseEntityExceptionHandler</a:t>
+            </a:r>
+            <a:r>
+              <a:rPr lang="en-US" sz="800" b="1" dirty="0"/>
+              <a:t> </a:t>
+            </a:r>
+            <a:r>
+              <a:rPr lang="en-US" sz="800" dirty="0"/>
+              <a:t>{</a:t>
+            </a:r>
+          </a:p>
+          <a:p>
+            <a:r>
+              <a:rPr lang="en-US" sz="800" dirty="0"/>
+              <a:t>private static final Logger </a:t>
+            </a:r>
+            <a:r>
+              <a:rPr lang="en-US" sz="800" u="sng" dirty="0"/>
+              <a:t>LOG</a:t>
+            </a:r>
+            <a:r>
+              <a:rPr lang="en-US" sz="800" dirty="0"/>
+              <a:t> = </a:t>
+            </a:r>
+            <a:r>
+              <a:rPr lang="en-US" sz="800" dirty="0" err="1"/>
+              <a:t>LoggerFactory.getLogger</a:t>
+            </a:r>
+            <a:r>
+              <a:rPr lang="en-US" sz="800" dirty="0"/>
+              <a:t>(</a:t>
+            </a:r>
+            <a:r>
+              <a:rPr lang="en-US" sz="800" dirty="0" err="1"/>
+              <a:t>CustomExceptionHandler.class</a:t>
+            </a:r>
+            <a:r>
+              <a:rPr lang="en-US" sz="800" dirty="0"/>
+              <a:t>);</a:t>
+            </a:r>
+          </a:p>
+          <a:p>
+            <a:r>
+              <a:rPr lang="en-US" sz="800" dirty="0"/>
+              <a:t> </a:t>
+            </a:r>
+          </a:p>
+          <a:p>
+            <a:r>
+              <a:rPr lang="en-US" sz="800" dirty="0"/>
+              <a:t>@Override</a:t>
+            </a:r>
+          </a:p>
+          <a:p>
+            <a:r>
+              <a:rPr lang="en-US" sz="800" dirty="0"/>
+              <a:t>protected </a:t>
+            </a:r>
+            <a:r>
+              <a:rPr lang="en-US" sz="800" dirty="0" err="1"/>
+              <a:t>ResponseEntity</a:t>
+            </a:r>
+            <a:r>
+              <a:rPr lang="en-US" sz="800" dirty="0"/>
+              <a:t>&lt;Object&gt; </a:t>
+            </a:r>
+            <a:r>
+              <a:rPr lang="en-US" sz="800" b="1" dirty="0" err="1"/>
+              <a:t>handleMethodArgumentNotValid</a:t>
+            </a:r>
+            <a:r>
+              <a:rPr lang="en-US" sz="800" dirty="0"/>
+              <a:t>(</a:t>
+            </a:r>
+            <a:r>
+              <a:rPr lang="en-US" sz="800" dirty="0" err="1"/>
+              <a:t>MethodArgumentNotValidException</a:t>
+            </a:r>
+            <a:r>
+              <a:rPr lang="en-US" sz="800" dirty="0"/>
+              <a:t> ex,</a:t>
+            </a:r>
+          </a:p>
+          <a:p>
+            <a:r>
+              <a:rPr lang="en-US" sz="800" dirty="0" err="1"/>
+              <a:t>HttpHeaders</a:t>
+            </a:r>
+            <a:r>
+              <a:rPr lang="en-US" sz="800" dirty="0"/>
+              <a:t> headers, </a:t>
+            </a:r>
+            <a:r>
+              <a:rPr lang="en-US" sz="800" dirty="0" err="1"/>
+              <a:t>HttpStatus</a:t>
+            </a:r>
+            <a:r>
+              <a:rPr lang="en-US" sz="800" dirty="0"/>
+              <a:t> status, </a:t>
+            </a:r>
+            <a:r>
+              <a:rPr lang="en-US" sz="800" dirty="0" err="1"/>
+              <a:t>WebRequest</a:t>
+            </a:r>
+            <a:r>
+              <a:rPr lang="en-US" sz="800" dirty="0"/>
+              <a:t> request) {</a:t>
+            </a:r>
+          </a:p>
+          <a:p>
+            <a:r>
+              <a:rPr lang="en-US" sz="800" dirty="0"/>
+              <a:t> </a:t>
+            </a:r>
+          </a:p>
+          <a:p>
+            <a:r>
+              <a:rPr lang="en-US" sz="800" dirty="0"/>
+              <a:t>String </a:t>
+            </a:r>
+            <a:r>
+              <a:rPr lang="en-US" sz="800" dirty="0" err="1"/>
+              <a:t>errorMessage</a:t>
+            </a:r>
+            <a:r>
+              <a:rPr lang="en-US" sz="800" dirty="0"/>
+              <a:t>= </a:t>
+            </a:r>
+            <a:r>
+              <a:rPr lang="en-US" sz="800" dirty="0" err="1"/>
+              <a:t>ex.getBindingResult</a:t>
+            </a:r>
+            <a:r>
+              <a:rPr lang="en-US" sz="800" dirty="0"/>
+              <a:t>().</a:t>
+            </a:r>
+            <a:r>
+              <a:rPr lang="en-US" sz="800" dirty="0" err="1"/>
+              <a:t>getAllErrors</a:t>
+            </a:r>
+            <a:r>
+              <a:rPr lang="en-US" sz="800" dirty="0"/>
+              <a:t>().stream().</a:t>
+            </a:r>
+          </a:p>
+          <a:p>
+            <a:r>
+              <a:rPr lang="en-US" sz="800" dirty="0"/>
+              <a:t>map(</a:t>
+            </a:r>
+            <a:r>
+              <a:rPr lang="en-US" sz="800" dirty="0" err="1"/>
+              <a:t>ObjectError</a:t>
+            </a:r>
+            <a:r>
+              <a:rPr lang="en-US" sz="800" dirty="0"/>
+              <a:t>::</a:t>
+            </a:r>
+            <a:r>
+              <a:rPr lang="en-US" sz="800" dirty="0" err="1"/>
+              <a:t>getDefaultMessage</a:t>
+            </a:r>
+            <a:r>
+              <a:rPr lang="en-US" sz="800" dirty="0"/>
+              <a:t>).collect(</a:t>
+            </a:r>
+            <a:r>
+              <a:rPr lang="en-US" sz="800" dirty="0" err="1"/>
+              <a:t>Collectors.joining</a:t>
+            </a:r>
+            <a:r>
+              <a:rPr lang="en-US" sz="800" dirty="0"/>
+              <a:t>(","));</a:t>
+            </a:r>
+          </a:p>
+          <a:p>
+            <a:r>
+              <a:rPr lang="en-US" sz="800" dirty="0" err="1"/>
+              <a:t>ErrorResponse</a:t>
+            </a:r>
+            <a:r>
+              <a:rPr lang="en-US" sz="800" dirty="0"/>
+              <a:t> error = new </a:t>
+            </a:r>
+            <a:r>
+              <a:rPr lang="en-US" sz="800" dirty="0" err="1"/>
+              <a:t>ErrorResponse</a:t>
+            </a:r>
+            <a:r>
+              <a:rPr lang="en-US" sz="800" dirty="0"/>
+              <a:t>(</a:t>
+            </a:r>
+            <a:r>
+              <a:rPr lang="en-US" sz="800" dirty="0" err="1"/>
+              <a:t>HttpStatus.BAD_REQUEST</a:t>
+            </a:r>
+            <a:r>
+              <a:rPr lang="en-US" sz="800" dirty="0"/>
+              <a:t>, </a:t>
+            </a:r>
+            <a:r>
+              <a:rPr lang="en-US" sz="800" dirty="0" err="1"/>
+              <a:t>errorMessage</a:t>
+            </a:r>
+            <a:r>
+              <a:rPr lang="en-US" sz="800" dirty="0"/>
+              <a:t>);</a:t>
+            </a:r>
+          </a:p>
+          <a:p>
+            <a:r>
+              <a:rPr lang="en-US" sz="800" dirty="0"/>
+              <a:t>//return </a:t>
+            </a:r>
+            <a:r>
+              <a:rPr lang="en-US" sz="800" dirty="0" err="1"/>
+              <a:t>super.handleMethodArgumentNotValid</a:t>
+            </a:r>
+            <a:r>
+              <a:rPr lang="en-US" sz="800" dirty="0"/>
+              <a:t>(</a:t>
+            </a:r>
+            <a:r>
+              <a:rPr lang="en-US" sz="800" u="sng" dirty="0"/>
+              <a:t>ex</a:t>
+            </a:r>
+            <a:r>
+              <a:rPr lang="en-US" sz="800" dirty="0"/>
+              <a:t>, headers, status, request);</a:t>
+            </a:r>
+          </a:p>
+          <a:p>
+            <a:r>
+              <a:rPr lang="en-US" sz="800" dirty="0"/>
+              <a:t>return </a:t>
+            </a:r>
+            <a:r>
+              <a:rPr lang="en-US" sz="800" dirty="0" err="1"/>
+              <a:t>handleExceptionInternal</a:t>
+            </a:r>
+            <a:r>
+              <a:rPr lang="en-US" sz="800" dirty="0"/>
+              <a:t>(ex, error, headers, status, request);</a:t>
+            </a:r>
+          </a:p>
+          <a:p>
+            <a:r>
+              <a:rPr lang="en-US" sz="800" dirty="0"/>
+              <a:t>}</a:t>
+            </a:r>
+          </a:p>
+          <a:p>
+            <a:r>
+              <a:rPr lang="en-US" sz="800" dirty="0"/>
+              <a:t> </a:t>
+            </a:r>
+          </a:p>
+          <a:p>
+            <a:r>
+              <a:rPr lang="en-US" sz="800" b="1" dirty="0"/>
+              <a:t>@</a:t>
+            </a:r>
+            <a:r>
+              <a:rPr lang="en-US" sz="800" b="1" dirty="0" err="1"/>
+              <a:t>ExceptionHandler</a:t>
+            </a:r>
+            <a:r>
+              <a:rPr lang="en-US" sz="800" b="1" dirty="0"/>
+              <a:t>(value=</a:t>
+            </a:r>
+            <a:r>
+              <a:rPr lang="en-US" sz="800" b="1" dirty="0" err="1"/>
+              <a:t>Exception.class</a:t>
+            </a:r>
+            <a:r>
+              <a:rPr lang="en-US" sz="800" b="1" dirty="0"/>
+              <a:t>)</a:t>
+            </a:r>
+          </a:p>
+          <a:p>
+            <a:r>
+              <a:rPr lang="en-US" sz="800" b="1" dirty="0"/>
+              <a:t>@</a:t>
+            </a:r>
+            <a:r>
+              <a:rPr lang="en-US" sz="800" b="1" dirty="0" err="1"/>
+              <a:t>ResponseBody</a:t>
+            </a:r>
+            <a:endParaRPr lang="en-US" sz="800" b="1" dirty="0"/>
+          </a:p>
+          <a:p>
+            <a:r>
+              <a:rPr lang="en-US" sz="800" dirty="0"/>
+              <a:t>public </a:t>
+            </a:r>
+            <a:r>
+              <a:rPr lang="en-US" sz="800" dirty="0" err="1"/>
+              <a:t>ResponseEntity</a:t>
+            </a:r>
+            <a:r>
+              <a:rPr lang="en-US" sz="800" dirty="0"/>
+              <a:t>&lt;</a:t>
+            </a:r>
+            <a:r>
+              <a:rPr lang="en-US" sz="800" dirty="0" err="1"/>
+              <a:t>ErrorResponse</a:t>
+            </a:r>
+            <a:r>
+              <a:rPr lang="en-US" sz="800" dirty="0"/>
+              <a:t>&gt; </a:t>
+            </a:r>
+            <a:r>
+              <a:rPr lang="en-US" sz="800" dirty="0" err="1"/>
+              <a:t>handleApiException</a:t>
+            </a:r>
+            <a:r>
+              <a:rPr lang="en-US" sz="800" dirty="0"/>
+              <a:t>(Exception ex)</a:t>
+            </a:r>
+          </a:p>
+          <a:p>
+            <a:r>
+              <a:rPr lang="en-US" sz="800" dirty="0"/>
+              <a:t>{</a:t>
+            </a:r>
+          </a:p>
+          <a:p>
+            <a:r>
+              <a:rPr lang="en-US" sz="800" dirty="0" err="1"/>
+              <a:t>ErrorResponse</a:t>
+            </a:r>
+            <a:r>
+              <a:rPr lang="en-US" sz="800" dirty="0"/>
+              <a:t> error = new </a:t>
+            </a:r>
+            <a:r>
+              <a:rPr lang="en-US" sz="800" dirty="0" err="1"/>
+              <a:t>ErrorResponse</a:t>
+            </a:r>
+            <a:r>
+              <a:rPr lang="en-US" sz="800" dirty="0"/>
+              <a:t>(</a:t>
+            </a:r>
+            <a:r>
+              <a:rPr lang="en-US" sz="800" dirty="0" err="1"/>
+              <a:t>HttpStatus.INTERNAL_SERVER_ERROR</a:t>
+            </a:r>
+            <a:r>
+              <a:rPr lang="en-US" sz="800" dirty="0"/>
+              <a:t>, </a:t>
+            </a:r>
+            <a:r>
+              <a:rPr lang="en-US" sz="800" dirty="0" err="1"/>
+              <a:t>ex.getMessage</a:t>
+            </a:r>
+            <a:r>
+              <a:rPr lang="en-US" sz="800" dirty="0"/>
+              <a:t>());</a:t>
+            </a:r>
+          </a:p>
+          <a:p>
+            <a:r>
+              <a:rPr lang="en-US" sz="800" dirty="0"/>
+              <a:t>return new </a:t>
+            </a:r>
+            <a:r>
+              <a:rPr lang="en-US" sz="800" dirty="0" err="1"/>
+              <a:t>ResponseEntity</a:t>
+            </a:r>
+            <a:r>
+              <a:rPr lang="en-US" sz="800" dirty="0"/>
+              <a:t>&lt;</a:t>
+            </a:r>
+            <a:r>
+              <a:rPr lang="en-US" sz="800" dirty="0" err="1"/>
+              <a:t>ErrorResponse</a:t>
+            </a:r>
+            <a:r>
+              <a:rPr lang="en-US" sz="800" dirty="0"/>
+              <a:t>&gt;(error, </a:t>
+            </a:r>
+            <a:r>
+              <a:rPr lang="en-US" sz="800" dirty="0" err="1"/>
+              <a:t>error.getStatus</a:t>
+            </a:r>
+            <a:r>
+              <a:rPr lang="en-US" sz="800" dirty="0"/>
+              <a:t>());</a:t>
+            </a:r>
+          </a:p>
+          <a:p>
+            <a:r>
+              <a:rPr lang="en-US" sz="800" dirty="0"/>
+              <a:t> </a:t>
+            </a:r>
+          </a:p>
+          <a:p>
+            <a:r>
+              <a:rPr lang="en-US" sz="800" dirty="0"/>
+              <a:t>}</a:t>
+            </a:r>
+          </a:p>
+          <a:p>
+            <a:endParaRPr lang="en-US" dirty="0"/>
+          </a:p>
+        </p:txBody>
+      </p:sp>
+    </p:spTree>
+    <p:extLst>
+      <p:ext uri="{BB962C8B-B14F-4D97-AF65-F5344CB8AC3E}">
+        <p14:creationId xmlns:p14="http://schemas.microsoft.com/office/powerpoint/2010/main" val="3310640463"/>
       </p:ext>
     </p:extLst>
   </p:cSld>
